--- a/廖雪峰Python教程.pptx
+++ b/廖雪峰Python教程.pptx
@@ -106,6 +106,11 @@
       </a:defRPr>
     </a:lvl9pPr>
   </p:defaultTextStyle>
+  <p:extLst>
+    <p:ext uri="{EFAFB233-063F-42B5-8137-9DF3F51BA10A}">
+      <p15:sldGuideLst xmlns:p15="http://schemas.microsoft.com/office/powerpoint/2012/main"/>
+    </p:ext>
+  </p:extLst>
 </p:presentation>
 </file>
 
@@ -1330,6 +1335,13 @@
         </dgm:presLayoutVars>
       </dgm:prSet>
       <dgm:spPr/>
+      <dgm:t>
+        <a:bodyPr/>
+        <a:lstStyle/>
+        <a:p>
+          <a:endParaRPr lang="zh-CN" altLang="en-US"/>
+        </a:p>
+      </dgm:t>
     </dgm:pt>
     <dgm:pt modelId="{D3137105-4D35-ED47-B9A0-6AD6CFFAF2CA}" type="pres">
       <dgm:prSet presAssocID="{5944A73A-03BE-6A4C-A0FF-D4767B090CE1}" presName="root1" presStyleCnt="0"/>
@@ -1342,6 +1354,13 @@
         </dgm:presLayoutVars>
       </dgm:prSet>
       <dgm:spPr/>
+      <dgm:t>
+        <a:bodyPr/>
+        <a:lstStyle/>
+        <a:p>
+          <a:endParaRPr lang="zh-CN" altLang="en-US"/>
+        </a:p>
+      </dgm:t>
     </dgm:pt>
     <dgm:pt modelId="{4D3E5F41-2E0B-AE45-99EC-83BFEFDBB198}" type="pres">
       <dgm:prSet presAssocID="{5944A73A-03BE-6A4C-A0FF-D4767B090CE1}" presName="level2hierChild" presStyleCnt="0"/>
@@ -1350,10 +1369,24 @@
     <dgm:pt modelId="{5ABC2C96-D3D2-1C4F-8DC8-E9085F099437}" type="pres">
       <dgm:prSet presAssocID="{51EC9AAC-0974-204F-8AAC-F78655AA7ECF}" presName="conn2-1" presStyleLbl="parChTrans1D2" presStyleIdx="0" presStyleCnt="6"/>
       <dgm:spPr/>
+      <dgm:t>
+        <a:bodyPr/>
+        <a:lstStyle/>
+        <a:p>
+          <a:endParaRPr lang="zh-CN" altLang="en-US"/>
+        </a:p>
+      </dgm:t>
     </dgm:pt>
     <dgm:pt modelId="{F3256D53-0136-1041-AB78-425C9B32190F}" type="pres">
       <dgm:prSet presAssocID="{51EC9AAC-0974-204F-8AAC-F78655AA7ECF}" presName="connTx" presStyleLbl="parChTrans1D2" presStyleIdx="0" presStyleCnt="6"/>
       <dgm:spPr/>
+      <dgm:t>
+        <a:bodyPr/>
+        <a:lstStyle/>
+        <a:p>
+          <a:endParaRPr lang="zh-CN" altLang="en-US"/>
+        </a:p>
+      </dgm:t>
     </dgm:pt>
     <dgm:pt modelId="{E1B56401-E60E-584A-8F7C-407F65F67223}" type="pres">
       <dgm:prSet presAssocID="{4BE9C697-03C1-4D47-9B63-4EC7A2958EEC}" presName="root2" presStyleCnt="0"/>
@@ -1366,6 +1399,13 @@
         </dgm:presLayoutVars>
       </dgm:prSet>
       <dgm:spPr/>
+      <dgm:t>
+        <a:bodyPr/>
+        <a:lstStyle/>
+        <a:p>
+          <a:endParaRPr lang="zh-CN" altLang="en-US"/>
+        </a:p>
+      </dgm:t>
     </dgm:pt>
     <dgm:pt modelId="{0638C9BB-E1AD-D149-8A01-ADE646C84B97}" type="pres">
       <dgm:prSet presAssocID="{4BE9C697-03C1-4D47-9B63-4EC7A2958EEC}" presName="level3hierChild" presStyleCnt="0"/>
@@ -1374,10 +1414,24 @@
     <dgm:pt modelId="{A23ABBE1-023D-2D4E-8DE2-535DC719EB27}" type="pres">
       <dgm:prSet presAssocID="{CEBC5E62-51C9-4D4D-8F79-0C9E331E1EF4}" presName="conn2-1" presStyleLbl="parChTrans1D2" presStyleIdx="1" presStyleCnt="6"/>
       <dgm:spPr/>
+      <dgm:t>
+        <a:bodyPr/>
+        <a:lstStyle/>
+        <a:p>
+          <a:endParaRPr lang="zh-CN" altLang="en-US"/>
+        </a:p>
+      </dgm:t>
     </dgm:pt>
     <dgm:pt modelId="{5ACCF1B3-49CF-EF4B-90AE-1FEA5177721E}" type="pres">
       <dgm:prSet presAssocID="{CEBC5E62-51C9-4D4D-8F79-0C9E331E1EF4}" presName="connTx" presStyleLbl="parChTrans1D2" presStyleIdx="1" presStyleCnt="6"/>
       <dgm:spPr/>
+      <dgm:t>
+        <a:bodyPr/>
+        <a:lstStyle/>
+        <a:p>
+          <a:endParaRPr lang="zh-CN" altLang="en-US"/>
+        </a:p>
+      </dgm:t>
     </dgm:pt>
     <dgm:pt modelId="{24316A49-B7BD-6D48-B8D1-90301030116F}" type="pres">
       <dgm:prSet presAssocID="{BF940AA2-3EBB-8A45-B245-058628B9D6BC}" presName="root2" presStyleCnt="0"/>
@@ -1390,6 +1444,13 @@
         </dgm:presLayoutVars>
       </dgm:prSet>
       <dgm:spPr/>
+      <dgm:t>
+        <a:bodyPr/>
+        <a:lstStyle/>
+        <a:p>
+          <a:endParaRPr lang="zh-CN" altLang="en-US"/>
+        </a:p>
+      </dgm:t>
     </dgm:pt>
     <dgm:pt modelId="{92E909ED-5E17-164F-8A6B-FC86A000501D}" type="pres">
       <dgm:prSet presAssocID="{BF940AA2-3EBB-8A45-B245-058628B9D6BC}" presName="level3hierChild" presStyleCnt="0"/>
@@ -1398,10 +1459,24 @@
     <dgm:pt modelId="{BB59280D-3DC6-2745-819B-36897EFD8E5C}" type="pres">
       <dgm:prSet presAssocID="{68450879-3036-CE4D-8F40-92B347E0AE66}" presName="conn2-1" presStyleLbl="parChTrans1D2" presStyleIdx="2" presStyleCnt="6"/>
       <dgm:spPr/>
+      <dgm:t>
+        <a:bodyPr/>
+        <a:lstStyle/>
+        <a:p>
+          <a:endParaRPr lang="zh-CN" altLang="en-US"/>
+        </a:p>
+      </dgm:t>
     </dgm:pt>
     <dgm:pt modelId="{6BD4B603-1B9A-D146-A945-61C0EE998DBB}" type="pres">
       <dgm:prSet presAssocID="{68450879-3036-CE4D-8F40-92B347E0AE66}" presName="connTx" presStyleLbl="parChTrans1D2" presStyleIdx="2" presStyleCnt="6"/>
       <dgm:spPr/>
+      <dgm:t>
+        <a:bodyPr/>
+        <a:lstStyle/>
+        <a:p>
+          <a:endParaRPr lang="zh-CN" altLang="en-US"/>
+        </a:p>
+      </dgm:t>
     </dgm:pt>
     <dgm:pt modelId="{E1F21B3F-B07E-6B44-8C97-55150846278F}" type="pres">
       <dgm:prSet presAssocID="{DBAED7B1-E8C3-9E44-8E07-3EC92C1419F3}" presName="root2" presStyleCnt="0"/>
@@ -1414,6 +1489,13 @@
         </dgm:presLayoutVars>
       </dgm:prSet>
       <dgm:spPr/>
+      <dgm:t>
+        <a:bodyPr/>
+        <a:lstStyle/>
+        <a:p>
+          <a:endParaRPr lang="zh-CN" altLang="en-US"/>
+        </a:p>
+      </dgm:t>
     </dgm:pt>
     <dgm:pt modelId="{A8FD5A54-228A-3C43-9B0A-3CF381788FF1}" type="pres">
       <dgm:prSet presAssocID="{DBAED7B1-E8C3-9E44-8E07-3EC92C1419F3}" presName="level3hierChild" presStyleCnt="0"/>
@@ -1422,10 +1504,24 @@
     <dgm:pt modelId="{6FD96401-0E53-D24F-95FC-AADF0B8647E4}" type="pres">
       <dgm:prSet presAssocID="{77ED8EC3-FDFC-A94A-8597-E1F6FFF5B263}" presName="conn2-1" presStyleLbl="parChTrans1D2" presStyleIdx="3" presStyleCnt="6"/>
       <dgm:spPr/>
+      <dgm:t>
+        <a:bodyPr/>
+        <a:lstStyle/>
+        <a:p>
+          <a:endParaRPr lang="zh-CN" altLang="en-US"/>
+        </a:p>
+      </dgm:t>
     </dgm:pt>
     <dgm:pt modelId="{F3DDFACB-70F0-5945-9E5F-2646E1544A55}" type="pres">
       <dgm:prSet presAssocID="{77ED8EC3-FDFC-A94A-8597-E1F6FFF5B263}" presName="connTx" presStyleLbl="parChTrans1D2" presStyleIdx="3" presStyleCnt="6"/>
       <dgm:spPr/>
+      <dgm:t>
+        <a:bodyPr/>
+        <a:lstStyle/>
+        <a:p>
+          <a:endParaRPr lang="zh-CN" altLang="en-US"/>
+        </a:p>
+      </dgm:t>
     </dgm:pt>
     <dgm:pt modelId="{2483DC5E-4B22-024A-8C01-3C55EFF08D91}" type="pres">
       <dgm:prSet presAssocID="{C534703E-74E7-074E-AC86-85669D5B5C55}" presName="root2" presStyleCnt="0"/>
@@ -1438,6 +1534,13 @@
         </dgm:presLayoutVars>
       </dgm:prSet>
       <dgm:spPr/>
+      <dgm:t>
+        <a:bodyPr/>
+        <a:lstStyle/>
+        <a:p>
+          <a:endParaRPr lang="zh-CN" altLang="en-US"/>
+        </a:p>
+      </dgm:t>
     </dgm:pt>
     <dgm:pt modelId="{066C09C7-4422-3342-BDDB-7B157DF98AC2}" type="pres">
       <dgm:prSet presAssocID="{C534703E-74E7-074E-AC86-85669D5B5C55}" presName="level3hierChild" presStyleCnt="0"/>
@@ -1446,10 +1549,24 @@
     <dgm:pt modelId="{D74E941C-2124-E543-A796-FF9C5059CBB8}" type="pres">
       <dgm:prSet presAssocID="{AA365C48-1CF0-5C46-97EE-00D5A0E8D73E}" presName="conn2-1" presStyleLbl="parChTrans1D3" presStyleIdx="0" presStyleCnt="2"/>
       <dgm:spPr/>
+      <dgm:t>
+        <a:bodyPr/>
+        <a:lstStyle/>
+        <a:p>
+          <a:endParaRPr lang="zh-CN" altLang="en-US"/>
+        </a:p>
+      </dgm:t>
     </dgm:pt>
     <dgm:pt modelId="{04290C8C-BEC2-9140-A991-359365D97F46}" type="pres">
       <dgm:prSet presAssocID="{AA365C48-1CF0-5C46-97EE-00D5A0E8D73E}" presName="connTx" presStyleLbl="parChTrans1D3" presStyleIdx="0" presStyleCnt="2"/>
       <dgm:spPr/>
+      <dgm:t>
+        <a:bodyPr/>
+        <a:lstStyle/>
+        <a:p>
+          <a:endParaRPr lang="zh-CN" altLang="en-US"/>
+        </a:p>
+      </dgm:t>
     </dgm:pt>
     <dgm:pt modelId="{35DD8D41-CF1A-834A-81AF-E93B235D6D48}" type="pres">
       <dgm:prSet presAssocID="{F577D8C8-F26B-FE4F-AE5C-8B6879F8E1EA}" presName="root2" presStyleCnt="0"/>
@@ -1477,10 +1594,24 @@
     <dgm:pt modelId="{EAE1CD88-E55A-944D-ACD1-43B15343534C}" type="pres">
       <dgm:prSet presAssocID="{AE15DBC0-81AC-2040-99A3-AF227B8EFC69}" presName="conn2-1" presStyleLbl="parChTrans1D3" presStyleIdx="1" presStyleCnt="2"/>
       <dgm:spPr/>
+      <dgm:t>
+        <a:bodyPr/>
+        <a:lstStyle/>
+        <a:p>
+          <a:endParaRPr lang="zh-CN" altLang="en-US"/>
+        </a:p>
+      </dgm:t>
     </dgm:pt>
     <dgm:pt modelId="{C8C5308F-4EA3-6740-B250-E13923BB5063}" type="pres">
       <dgm:prSet presAssocID="{AE15DBC0-81AC-2040-99A3-AF227B8EFC69}" presName="connTx" presStyleLbl="parChTrans1D3" presStyleIdx="1" presStyleCnt="2"/>
       <dgm:spPr/>
+      <dgm:t>
+        <a:bodyPr/>
+        <a:lstStyle/>
+        <a:p>
+          <a:endParaRPr lang="zh-CN" altLang="en-US"/>
+        </a:p>
+      </dgm:t>
     </dgm:pt>
     <dgm:pt modelId="{822A62BA-D349-CA4B-AE7B-CC202442D4E4}" type="pres">
       <dgm:prSet presAssocID="{7134C57F-B463-3342-A98B-1F647DF854A2}" presName="root2" presStyleCnt="0"/>
@@ -1508,10 +1639,24 @@
     <dgm:pt modelId="{A1A7FE5B-2B4A-6548-AF1C-F09BF8C77343}" type="pres">
       <dgm:prSet presAssocID="{E0B6A0F6-CDC0-DC44-A63C-87FA7AF55DFC}" presName="conn2-1" presStyleLbl="parChTrans1D2" presStyleIdx="4" presStyleCnt="6"/>
       <dgm:spPr/>
+      <dgm:t>
+        <a:bodyPr/>
+        <a:lstStyle/>
+        <a:p>
+          <a:endParaRPr lang="zh-CN" altLang="en-US"/>
+        </a:p>
+      </dgm:t>
     </dgm:pt>
     <dgm:pt modelId="{4B16D35C-B707-D546-BFC2-93EDB216E301}" type="pres">
       <dgm:prSet presAssocID="{E0B6A0F6-CDC0-DC44-A63C-87FA7AF55DFC}" presName="connTx" presStyleLbl="parChTrans1D2" presStyleIdx="4" presStyleCnt="6"/>
       <dgm:spPr/>
+      <dgm:t>
+        <a:bodyPr/>
+        <a:lstStyle/>
+        <a:p>
+          <a:endParaRPr lang="zh-CN" altLang="en-US"/>
+        </a:p>
+      </dgm:t>
     </dgm:pt>
     <dgm:pt modelId="{C2848B30-BE52-B742-9E37-0814BC620921}" type="pres">
       <dgm:prSet presAssocID="{CDF1F995-A19D-ED42-B1EA-2DBC45FA4CF3}" presName="root2" presStyleCnt="0"/>
@@ -1524,6 +1669,13 @@
         </dgm:presLayoutVars>
       </dgm:prSet>
       <dgm:spPr/>
+      <dgm:t>
+        <a:bodyPr/>
+        <a:lstStyle/>
+        <a:p>
+          <a:endParaRPr lang="zh-CN" altLang="en-US"/>
+        </a:p>
+      </dgm:t>
     </dgm:pt>
     <dgm:pt modelId="{C7A048B2-6EFE-2347-A201-8A063DD7710B}" type="pres">
       <dgm:prSet presAssocID="{CDF1F995-A19D-ED42-B1EA-2DBC45FA4CF3}" presName="level3hierChild" presStyleCnt="0"/>
@@ -1532,10 +1684,24 @@
     <dgm:pt modelId="{885E332A-666C-3B4A-B257-2110A7C419B3}" type="pres">
       <dgm:prSet presAssocID="{1B30F721-6A3C-DA47-B209-92C615FF7297}" presName="conn2-1" presStyleLbl="parChTrans1D2" presStyleIdx="5" presStyleCnt="6"/>
       <dgm:spPr/>
+      <dgm:t>
+        <a:bodyPr/>
+        <a:lstStyle/>
+        <a:p>
+          <a:endParaRPr lang="zh-CN" altLang="en-US"/>
+        </a:p>
+      </dgm:t>
     </dgm:pt>
     <dgm:pt modelId="{B556FBDD-8E87-AD45-A912-70E6E7FBCAE5}" type="pres">
       <dgm:prSet presAssocID="{1B30F721-6A3C-DA47-B209-92C615FF7297}" presName="connTx" presStyleLbl="parChTrans1D2" presStyleIdx="5" presStyleCnt="6"/>
       <dgm:spPr/>
+      <dgm:t>
+        <a:bodyPr/>
+        <a:lstStyle/>
+        <a:p>
+          <a:endParaRPr lang="zh-CN" altLang="en-US"/>
+        </a:p>
+      </dgm:t>
     </dgm:pt>
     <dgm:pt modelId="{6CA384A0-FB99-3E42-8968-0C10B3EAA28C}" type="pres">
       <dgm:prSet presAssocID="{B9A4D954-AB8B-7047-80D6-8EE36533A211}" presName="root2" presStyleCnt="0"/>
@@ -1562,41 +1728,41 @@
     </dgm:pt>
   </dgm:ptLst>
   <dgm:cxnLst>
+    <dgm:cxn modelId="{C2133871-DC6D-4F47-9647-8A057A1380B6}" srcId="{5944A73A-03BE-6A4C-A0FF-D4767B090CE1}" destId="{BF940AA2-3EBB-8A45-B245-058628B9D6BC}" srcOrd="1" destOrd="0" parTransId="{CEBC5E62-51C9-4D4D-8F79-0C9E331E1EF4}" sibTransId="{03667D9B-D11C-C843-ACAD-0D0943F6090B}"/>
+    <dgm:cxn modelId="{08EE0866-6C52-694E-B3C7-75225B39BDD7}" type="presOf" srcId="{AE15DBC0-81AC-2040-99A3-AF227B8EFC69}" destId="{C8C5308F-4EA3-6740-B250-E13923BB5063}" srcOrd="1" destOrd="0" presId="urn:microsoft.com/office/officeart/2005/8/layout/hierarchy2"/>
+    <dgm:cxn modelId="{57099530-E8DD-DD46-8D69-46FF6245CB7B}" type="presOf" srcId="{68450879-3036-CE4D-8F40-92B347E0AE66}" destId="{6BD4B603-1B9A-D146-A945-61C0EE998DBB}" srcOrd="1" destOrd="0" presId="urn:microsoft.com/office/officeart/2005/8/layout/hierarchy2"/>
+    <dgm:cxn modelId="{4A8CE76A-84A2-2A4D-AAB4-8664BD14B6A3}" type="presOf" srcId="{BF940AA2-3EBB-8A45-B245-058628B9D6BC}" destId="{C01FE2A1-4174-264C-BA18-86C4E1FB5343}" srcOrd="0" destOrd="0" presId="urn:microsoft.com/office/officeart/2005/8/layout/hierarchy2"/>
+    <dgm:cxn modelId="{E4407F33-D560-894B-8D2A-9898DA7B8297}" type="presOf" srcId="{AA365C48-1CF0-5C46-97EE-00D5A0E8D73E}" destId="{D74E941C-2124-E543-A796-FF9C5059CBB8}" srcOrd="0" destOrd="0" presId="urn:microsoft.com/office/officeart/2005/8/layout/hierarchy2"/>
+    <dgm:cxn modelId="{7CE0AB83-23D6-6947-B941-0534025F1E86}" srcId="{5944A73A-03BE-6A4C-A0FF-D4767B090CE1}" destId="{CDF1F995-A19D-ED42-B1EA-2DBC45FA4CF3}" srcOrd="4" destOrd="0" parTransId="{E0B6A0F6-CDC0-DC44-A63C-87FA7AF55DFC}" sibTransId="{BA7A95CA-00D4-5E4D-9970-2A338E42292B}"/>
+    <dgm:cxn modelId="{5A59C683-C459-A740-BC6B-B57D92DC5F85}" type="presOf" srcId="{CEBC5E62-51C9-4D4D-8F79-0C9E331E1EF4}" destId="{A23ABBE1-023D-2D4E-8DE2-535DC719EB27}" srcOrd="0" destOrd="0" presId="urn:microsoft.com/office/officeart/2005/8/layout/hierarchy2"/>
+    <dgm:cxn modelId="{005961CB-BCA2-2E43-A130-CB4030E96C0B}" type="presOf" srcId="{5944A73A-03BE-6A4C-A0FF-D4767B090CE1}" destId="{E6940BBF-D678-4048-9BA4-3198AB58F416}" srcOrd="0" destOrd="0" presId="urn:microsoft.com/office/officeart/2005/8/layout/hierarchy2"/>
+    <dgm:cxn modelId="{137C1353-7BAE-034A-9B45-216F6C283744}" type="presOf" srcId="{DBAED7B1-E8C3-9E44-8E07-3EC92C1419F3}" destId="{C78FF01C-BF4C-C344-86E7-41FBD6A5D75F}" srcOrd="0" destOrd="0" presId="urn:microsoft.com/office/officeart/2005/8/layout/hierarchy2"/>
+    <dgm:cxn modelId="{4988065D-AB44-F340-A3F2-61957B109B21}" type="presOf" srcId="{51EC9AAC-0974-204F-8AAC-F78655AA7ECF}" destId="{F3256D53-0136-1041-AB78-425C9B32190F}" srcOrd="1" destOrd="0" presId="urn:microsoft.com/office/officeart/2005/8/layout/hierarchy2"/>
+    <dgm:cxn modelId="{B7DAB434-43B0-204D-837C-D500850D32C5}" type="presOf" srcId="{77ED8EC3-FDFC-A94A-8597-E1F6FFF5B263}" destId="{F3DDFACB-70F0-5945-9E5F-2646E1544A55}" srcOrd="1" destOrd="0" presId="urn:microsoft.com/office/officeart/2005/8/layout/hierarchy2"/>
+    <dgm:cxn modelId="{33E9AEC7-E70C-F14E-8537-0CF4C1F4077A}" type="presOf" srcId="{E0B6A0F6-CDC0-DC44-A63C-87FA7AF55DFC}" destId="{4B16D35C-B707-D546-BFC2-93EDB216E301}" srcOrd="1" destOrd="0" presId="urn:microsoft.com/office/officeart/2005/8/layout/hierarchy2"/>
+    <dgm:cxn modelId="{4BB2A304-8ABA-5342-9DC6-373F13476292}" type="presOf" srcId="{4BE9C697-03C1-4D47-9B63-4EC7A2958EEC}" destId="{D46DBA69-04C5-6348-BA9B-594168082943}" srcOrd="0" destOrd="0" presId="urn:microsoft.com/office/officeart/2005/8/layout/hierarchy2"/>
+    <dgm:cxn modelId="{06606AB2-DA6C-F347-AFD7-A885A639C442}" srcId="{5944A73A-03BE-6A4C-A0FF-D4767B090CE1}" destId="{DBAED7B1-E8C3-9E44-8E07-3EC92C1419F3}" srcOrd="2" destOrd="0" parTransId="{68450879-3036-CE4D-8F40-92B347E0AE66}" sibTransId="{D51B57F7-59A7-6D41-AB3F-9D99C2BF37A7}"/>
+    <dgm:cxn modelId="{F7A49405-DA80-D049-9C91-371C7BDAB9AB}" type="presOf" srcId="{CEBC5E62-51C9-4D4D-8F79-0C9E331E1EF4}" destId="{5ACCF1B3-49CF-EF4B-90AE-1FEA5177721E}" srcOrd="1" destOrd="0" presId="urn:microsoft.com/office/officeart/2005/8/layout/hierarchy2"/>
+    <dgm:cxn modelId="{10B57BAA-D24B-A54B-9880-8F724188EB72}" type="presOf" srcId="{1B30F721-6A3C-DA47-B209-92C615FF7297}" destId="{885E332A-666C-3B4A-B257-2110A7C419B3}" srcOrd="0" destOrd="0" presId="urn:microsoft.com/office/officeart/2005/8/layout/hierarchy2"/>
+    <dgm:cxn modelId="{DA9A73C2-19C6-CB4A-AAF7-6EB4C19874F6}" type="presOf" srcId="{F577D8C8-F26B-FE4F-AE5C-8B6879F8E1EA}" destId="{936D2D19-CFC9-D548-BE62-CCAFA2BCADF9}" srcOrd="0" destOrd="0" presId="urn:microsoft.com/office/officeart/2005/8/layout/hierarchy2"/>
+    <dgm:cxn modelId="{F9A801D7-9967-3644-A075-D30ECEB03DB4}" type="presOf" srcId="{1B30F721-6A3C-DA47-B209-92C615FF7297}" destId="{B556FBDD-8E87-AD45-A912-70E6E7FBCAE5}" srcOrd="1" destOrd="0" presId="urn:microsoft.com/office/officeart/2005/8/layout/hierarchy2"/>
+    <dgm:cxn modelId="{BB489508-4ADC-904F-919D-367A419406D7}" srcId="{C534703E-74E7-074E-AC86-85669D5B5C55}" destId="{7134C57F-B463-3342-A98B-1F647DF854A2}" srcOrd="1" destOrd="0" parTransId="{AE15DBC0-81AC-2040-99A3-AF227B8EFC69}" sibTransId="{67417957-6D80-8840-9440-D6E2B51C84C3}"/>
+    <dgm:cxn modelId="{6F130A47-97C0-5243-A466-93F021AFC046}" type="presOf" srcId="{7134C57F-B463-3342-A98B-1F647DF854A2}" destId="{EC300CC2-8F2C-AF4D-9E7D-C9DE81EAE24F}" srcOrd="0" destOrd="0" presId="urn:microsoft.com/office/officeart/2005/8/layout/hierarchy2"/>
+    <dgm:cxn modelId="{7C15E3E8-710C-EE44-A8BB-AFBE7AB102FA}" type="presOf" srcId="{CDF1F995-A19D-ED42-B1EA-2DBC45FA4CF3}" destId="{A084CF1C-FE16-0E44-8F59-AB8DD974CF8C}" srcOrd="0" destOrd="0" presId="urn:microsoft.com/office/officeart/2005/8/layout/hierarchy2"/>
+    <dgm:cxn modelId="{745175A1-3DB3-1648-A16C-CA1DAAA8310B}" type="presOf" srcId="{AE15DBC0-81AC-2040-99A3-AF227B8EFC69}" destId="{EAE1CD88-E55A-944D-ACD1-43B15343534C}" srcOrd="0" destOrd="0" presId="urn:microsoft.com/office/officeart/2005/8/layout/hierarchy2"/>
+    <dgm:cxn modelId="{A2DBECC4-8B09-9749-AC18-7FE6BA3C1D1C}" srcId="{5944A73A-03BE-6A4C-A0FF-D4767B090CE1}" destId="{C534703E-74E7-074E-AC86-85669D5B5C55}" srcOrd="3" destOrd="0" parTransId="{77ED8EC3-FDFC-A94A-8597-E1F6FFF5B263}" sibTransId="{77031595-C245-9A4B-9A0D-77D64F8E4D91}"/>
+    <dgm:cxn modelId="{2DA02412-0BBB-4042-88A8-C35A55172652}" srcId="{C534703E-74E7-074E-AC86-85669D5B5C55}" destId="{F577D8C8-F26B-FE4F-AE5C-8B6879F8E1EA}" srcOrd="0" destOrd="0" parTransId="{AA365C48-1CF0-5C46-97EE-00D5A0E8D73E}" sibTransId="{1C364457-C199-E443-818B-580370558258}"/>
+    <dgm:cxn modelId="{04803B3C-27B3-BC4E-9C14-DC8CA4986407}" type="presOf" srcId="{AA365C48-1CF0-5C46-97EE-00D5A0E8D73E}" destId="{04290C8C-BEC2-9140-A991-359365D97F46}" srcOrd="1" destOrd="0" presId="urn:microsoft.com/office/officeart/2005/8/layout/hierarchy2"/>
+    <dgm:cxn modelId="{B4C4436C-2784-CF41-B42B-17A0C12F53B0}" type="presOf" srcId="{E0B6A0F6-CDC0-DC44-A63C-87FA7AF55DFC}" destId="{A1A7FE5B-2B4A-6548-AF1C-F09BF8C77343}" srcOrd="0" destOrd="0" presId="urn:microsoft.com/office/officeart/2005/8/layout/hierarchy2"/>
+    <dgm:cxn modelId="{6379659A-AFB7-244C-9DCE-D0518B2D5EEA}" type="presOf" srcId="{68450879-3036-CE4D-8F40-92B347E0AE66}" destId="{BB59280D-3DC6-2745-819B-36897EFD8E5C}" srcOrd="0" destOrd="0" presId="urn:microsoft.com/office/officeart/2005/8/layout/hierarchy2"/>
+    <dgm:cxn modelId="{3BCA954E-7E0F-D941-8BBE-CD17462C3AF5}" srcId="{5944A73A-03BE-6A4C-A0FF-D4767B090CE1}" destId="{4BE9C697-03C1-4D47-9B63-4EC7A2958EEC}" srcOrd="0" destOrd="0" parTransId="{51EC9AAC-0974-204F-8AAC-F78655AA7ECF}" sibTransId="{799E669D-B7B2-524D-AB5C-0A793E770424}"/>
     <dgm:cxn modelId="{751F7254-6A84-5F40-9CB1-1B3B6AB59578}" type="presOf" srcId="{51EC9AAC-0974-204F-8AAC-F78655AA7ECF}" destId="{5ABC2C96-D3D2-1C4F-8DC8-E9085F099437}" srcOrd="0" destOrd="0" presId="urn:microsoft.com/office/officeart/2005/8/layout/hierarchy2"/>
-    <dgm:cxn modelId="{4A8CE76A-84A2-2A4D-AAB4-8664BD14B6A3}" type="presOf" srcId="{BF940AA2-3EBB-8A45-B245-058628B9D6BC}" destId="{C01FE2A1-4174-264C-BA18-86C4E1FB5343}" srcOrd="0" destOrd="0" presId="urn:microsoft.com/office/officeart/2005/8/layout/hierarchy2"/>
-    <dgm:cxn modelId="{10B57BAA-D24B-A54B-9880-8F724188EB72}" type="presOf" srcId="{1B30F721-6A3C-DA47-B209-92C615FF7297}" destId="{885E332A-666C-3B4A-B257-2110A7C419B3}" srcOrd="0" destOrd="0" presId="urn:microsoft.com/office/officeart/2005/8/layout/hierarchy2"/>
+    <dgm:cxn modelId="{453CDDA2-A19D-A548-9514-ADA6D03CA9B7}" type="presOf" srcId="{77ED8EC3-FDFC-A94A-8597-E1F6FFF5B263}" destId="{6FD96401-0E53-D24F-95FC-AADF0B8647E4}" srcOrd="0" destOrd="0" presId="urn:microsoft.com/office/officeart/2005/8/layout/hierarchy2"/>
     <dgm:cxn modelId="{4D27FBB5-C47C-A246-AA85-AF4D22F62B36}" srcId="{5944A73A-03BE-6A4C-A0FF-D4767B090CE1}" destId="{B9A4D954-AB8B-7047-80D6-8EE36533A211}" srcOrd="5" destOrd="0" parTransId="{1B30F721-6A3C-DA47-B209-92C615FF7297}" sibTransId="{E8A63C98-E33D-794C-874A-AAD714A60D3F}"/>
-    <dgm:cxn modelId="{005961CB-BCA2-2E43-A130-CB4030E96C0B}" type="presOf" srcId="{5944A73A-03BE-6A4C-A0FF-D4767B090CE1}" destId="{E6940BBF-D678-4048-9BA4-3198AB58F416}" srcOrd="0" destOrd="0" presId="urn:microsoft.com/office/officeart/2005/8/layout/hierarchy2"/>
+    <dgm:cxn modelId="{9F7DBE0D-EA7C-AF44-A765-44B302FCF2E7}" srcId="{4A1B07F0-37C4-D84D-BC03-31A98154BEE4}" destId="{5944A73A-03BE-6A4C-A0FF-D4767B090CE1}" srcOrd="0" destOrd="0" parTransId="{7EC16727-576E-C54A-91AA-CA5EEAA84C8F}" sibTransId="{354AA7FD-0B98-0042-B3A9-E5D4345FF54C}"/>
     <dgm:cxn modelId="{1DA53426-1E5C-F044-AD57-8E6FB35E6CE7}" type="presOf" srcId="{4A1B07F0-37C4-D84D-BC03-31A98154BEE4}" destId="{BAACA384-8C12-C244-AD58-E7A875A54B6D}" srcOrd="0" destOrd="0" presId="urn:microsoft.com/office/officeart/2005/8/layout/hierarchy2"/>
-    <dgm:cxn modelId="{DA9A73C2-19C6-CB4A-AAF7-6EB4C19874F6}" type="presOf" srcId="{F577D8C8-F26B-FE4F-AE5C-8B6879F8E1EA}" destId="{936D2D19-CFC9-D548-BE62-CCAFA2BCADF9}" srcOrd="0" destOrd="0" presId="urn:microsoft.com/office/officeart/2005/8/layout/hierarchy2"/>
-    <dgm:cxn modelId="{745175A1-3DB3-1648-A16C-CA1DAAA8310B}" type="presOf" srcId="{AE15DBC0-81AC-2040-99A3-AF227B8EFC69}" destId="{EAE1CD88-E55A-944D-ACD1-43B15343534C}" srcOrd="0" destOrd="0" presId="urn:microsoft.com/office/officeart/2005/8/layout/hierarchy2"/>
-    <dgm:cxn modelId="{6379659A-AFB7-244C-9DCE-D0518B2D5EEA}" type="presOf" srcId="{68450879-3036-CE4D-8F40-92B347E0AE66}" destId="{BB59280D-3DC6-2745-819B-36897EFD8E5C}" srcOrd="0" destOrd="0" presId="urn:microsoft.com/office/officeart/2005/8/layout/hierarchy2"/>
-    <dgm:cxn modelId="{F7A49405-DA80-D049-9C91-371C7BDAB9AB}" type="presOf" srcId="{CEBC5E62-51C9-4D4D-8F79-0C9E331E1EF4}" destId="{5ACCF1B3-49CF-EF4B-90AE-1FEA5177721E}" srcOrd="1" destOrd="0" presId="urn:microsoft.com/office/officeart/2005/8/layout/hierarchy2"/>
-    <dgm:cxn modelId="{7CE0AB83-23D6-6947-B941-0534025F1E86}" srcId="{5944A73A-03BE-6A4C-A0FF-D4767B090CE1}" destId="{CDF1F995-A19D-ED42-B1EA-2DBC45FA4CF3}" srcOrd="4" destOrd="0" parTransId="{E0B6A0F6-CDC0-DC44-A63C-87FA7AF55DFC}" sibTransId="{BA7A95CA-00D4-5E4D-9970-2A338E42292B}"/>
-    <dgm:cxn modelId="{33E9AEC7-E70C-F14E-8537-0CF4C1F4077A}" type="presOf" srcId="{E0B6A0F6-CDC0-DC44-A63C-87FA7AF55DFC}" destId="{4B16D35C-B707-D546-BFC2-93EDB216E301}" srcOrd="1" destOrd="0" presId="urn:microsoft.com/office/officeart/2005/8/layout/hierarchy2"/>
     <dgm:cxn modelId="{F49CAA08-0209-4840-89B1-D8E2FC78C344}" type="presOf" srcId="{B9A4D954-AB8B-7047-80D6-8EE36533A211}" destId="{B0C18BB4-9762-154A-BDAC-D33872CBB998}" srcOrd="0" destOrd="0" presId="urn:microsoft.com/office/officeart/2005/8/layout/hierarchy2"/>
-    <dgm:cxn modelId="{B4C4436C-2784-CF41-B42B-17A0C12F53B0}" type="presOf" srcId="{E0B6A0F6-CDC0-DC44-A63C-87FA7AF55DFC}" destId="{A1A7FE5B-2B4A-6548-AF1C-F09BF8C77343}" srcOrd="0" destOrd="0" presId="urn:microsoft.com/office/officeart/2005/8/layout/hierarchy2"/>
-    <dgm:cxn modelId="{2DA02412-0BBB-4042-88A8-C35A55172652}" srcId="{C534703E-74E7-074E-AC86-85669D5B5C55}" destId="{F577D8C8-F26B-FE4F-AE5C-8B6879F8E1EA}" srcOrd="0" destOrd="0" parTransId="{AA365C48-1CF0-5C46-97EE-00D5A0E8D73E}" sibTransId="{1C364457-C199-E443-818B-580370558258}"/>
-    <dgm:cxn modelId="{4BB2A304-8ABA-5342-9DC6-373F13476292}" type="presOf" srcId="{4BE9C697-03C1-4D47-9B63-4EC7A2958EEC}" destId="{D46DBA69-04C5-6348-BA9B-594168082943}" srcOrd="0" destOrd="0" presId="urn:microsoft.com/office/officeart/2005/8/layout/hierarchy2"/>
-    <dgm:cxn modelId="{7C15E3E8-710C-EE44-A8BB-AFBE7AB102FA}" type="presOf" srcId="{CDF1F995-A19D-ED42-B1EA-2DBC45FA4CF3}" destId="{A084CF1C-FE16-0E44-8F59-AB8DD974CF8C}" srcOrd="0" destOrd="0" presId="urn:microsoft.com/office/officeart/2005/8/layout/hierarchy2"/>
-    <dgm:cxn modelId="{3BCA954E-7E0F-D941-8BBE-CD17462C3AF5}" srcId="{5944A73A-03BE-6A4C-A0FF-D4767B090CE1}" destId="{4BE9C697-03C1-4D47-9B63-4EC7A2958EEC}" srcOrd="0" destOrd="0" parTransId="{51EC9AAC-0974-204F-8AAC-F78655AA7ECF}" sibTransId="{799E669D-B7B2-524D-AB5C-0A793E770424}"/>
-    <dgm:cxn modelId="{57099530-E8DD-DD46-8D69-46FF6245CB7B}" type="presOf" srcId="{68450879-3036-CE4D-8F40-92B347E0AE66}" destId="{6BD4B603-1B9A-D146-A945-61C0EE998DBB}" srcOrd="1" destOrd="0" presId="urn:microsoft.com/office/officeart/2005/8/layout/hierarchy2"/>
-    <dgm:cxn modelId="{9F7DBE0D-EA7C-AF44-A765-44B302FCF2E7}" srcId="{4A1B07F0-37C4-D84D-BC03-31A98154BEE4}" destId="{5944A73A-03BE-6A4C-A0FF-D4767B090CE1}" srcOrd="0" destOrd="0" parTransId="{7EC16727-576E-C54A-91AA-CA5EEAA84C8F}" sibTransId="{354AA7FD-0B98-0042-B3A9-E5D4345FF54C}"/>
-    <dgm:cxn modelId="{4988065D-AB44-F340-A3F2-61957B109B21}" type="presOf" srcId="{51EC9AAC-0974-204F-8AAC-F78655AA7ECF}" destId="{F3256D53-0136-1041-AB78-425C9B32190F}" srcOrd="1" destOrd="0" presId="urn:microsoft.com/office/officeart/2005/8/layout/hierarchy2"/>
     <dgm:cxn modelId="{B3175846-07EC-0946-889B-46D4FA0BC3DD}" type="presOf" srcId="{C534703E-74E7-074E-AC86-85669D5B5C55}" destId="{CF391098-38F1-944E-8803-E8FE09053FF6}" srcOrd="0" destOrd="0" presId="urn:microsoft.com/office/officeart/2005/8/layout/hierarchy2"/>
-    <dgm:cxn modelId="{E4407F33-D560-894B-8D2A-9898DA7B8297}" type="presOf" srcId="{AA365C48-1CF0-5C46-97EE-00D5A0E8D73E}" destId="{D74E941C-2124-E543-A796-FF9C5059CBB8}" srcOrd="0" destOrd="0" presId="urn:microsoft.com/office/officeart/2005/8/layout/hierarchy2"/>
-    <dgm:cxn modelId="{BB489508-4ADC-904F-919D-367A419406D7}" srcId="{C534703E-74E7-074E-AC86-85669D5B5C55}" destId="{7134C57F-B463-3342-A98B-1F647DF854A2}" srcOrd="1" destOrd="0" parTransId="{AE15DBC0-81AC-2040-99A3-AF227B8EFC69}" sibTransId="{67417957-6D80-8840-9440-D6E2B51C84C3}"/>
-    <dgm:cxn modelId="{08EE0866-6C52-694E-B3C7-75225B39BDD7}" type="presOf" srcId="{AE15DBC0-81AC-2040-99A3-AF227B8EFC69}" destId="{C8C5308F-4EA3-6740-B250-E13923BB5063}" srcOrd="1" destOrd="0" presId="urn:microsoft.com/office/officeart/2005/8/layout/hierarchy2"/>
-    <dgm:cxn modelId="{137C1353-7BAE-034A-9B45-216F6C283744}" type="presOf" srcId="{DBAED7B1-E8C3-9E44-8E07-3EC92C1419F3}" destId="{C78FF01C-BF4C-C344-86E7-41FBD6A5D75F}" srcOrd="0" destOrd="0" presId="urn:microsoft.com/office/officeart/2005/8/layout/hierarchy2"/>
-    <dgm:cxn modelId="{04803B3C-27B3-BC4E-9C14-DC8CA4986407}" type="presOf" srcId="{AA365C48-1CF0-5C46-97EE-00D5A0E8D73E}" destId="{04290C8C-BEC2-9140-A991-359365D97F46}" srcOrd="1" destOrd="0" presId="urn:microsoft.com/office/officeart/2005/8/layout/hierarchy2"/>
-    <dgm:cxn modelId="{B7DAB434-43B0-204D-837C-D500850D32C5}" type="presOf" srcId="{77ED8EC3-FDFC-A94A-8597-E1F6FFF5B263}" destId="{F3DDFACB-70F0-5945-9E5F-2646E1544A55}" srcOrd="1" destOrd="0" presId="urn:microsoft.com/office/officeart/2005/8/layout/hierarchy2"/>
-    <dgm:cxn modelId="{06606AB2-DA6C-F347-AFD7-A885A639C442}" srcId="{5944A73A-03BE-6A4C-A0FF-D4767B090CE1}" destId="{DBAED7B1-E8C3-9E44-8E07-3EC92C1419F3}" srcOrd="2" destOrd="0" parTransId="{68450879-3036-CE4D-8F40-92B347E0AE66}" sibTransId="{D51B57F7-59A7-6D41-AB3F-9D99C2BF37A7}"/>
-    <dgm:cxn modelId="{C2133871-DC6D-4F47-9647-8A057A1380B6}" srcId="{5944A73A-03BE-6A4C-A0FF-D4767B090CE1}" destId="{BF940AA2-3EBB-8A45-B245-058628B9D6BC}" srcOrd="1" destOrd="0" parTransId="{CEBC5E62-51C9-4D4D-8F79-0C9E331E1EF4}" sibTransId="{03667D9B-D11C-C843-ACAD-0D0943F6090B}"/>
-    <dgm:cxn modelId="{A2DBECC4-8B09-9749-AC18-7FE6BA3C1D1C}" srcId="{5944A73A-03BE-6A4C-A0FF-D4767B090CE1}" destId="{C534703E-74E7-074E-AC86-85669D5B5C55}" srcOrd="3" destOrd="0" parTransId="{77ED8EC3-FDFC-A94A-8597-E1F6FFF5B263}" sibTransId="{77031595-C245-9A4B-9A0D-77D64F8E4D91}"/>
-    <dgm:cxn modelId="{6F130A47-97C0-5243-A466-93F021AFC046}" type="presOf" srcId="{7134C57F-B463-3342-A98B-1F647DF854A2}" destId="{EC300CC2-8F2C-AF4D-9E7D-C9DE81EAE24F}" srcOrd="0" destOrd="0" presId="urn:microsoft.com/office/officeart/2005/8/layout/hierarchy2"/>
-    <dgm:cxn modelId="{F9A801D7-9967-3644-A075-D30ECEB03DB4}" type="presOf" srcId="{1B30F721-6A3C-DA47-B209-92C615FF7297}" destId="{B556FBDD-8E87-AD45-A912-70E6E7FBCAE5}" srcOrd="1" destOrd="0" presId="urn:microsoft.com/office/officeart/2005/8/layout/hierarchy2"/>
-    <dgm:cxn modelId="{453CDDA2-A19D-A548-9514-ADA6D03CA9B7}" type="presOf" srcId="{77ED8EC3-FDFC-A94A-8597-E1F6FFF5B263}" destId="{6FD96401-0E53-D24F-95FC-AADF0B8647E4}" srcOrd="0" destOrd="0" presId="urn:microsoft.com/office/officeart/2005/8/layout/hierarchy2"/>
-    <dgm:cxn modelId="{5A59C683-C459-A740-BC6B-B57D92DC5F85}" type="presOf" srcId="{CEBC5E62-51C9-4D4D-8F79-0C9E331E1EF4}" destId="{A23ABBE1-023D-2D4E-8DE2-535DC719EB27}" srcOrd="0" destOrd="0" presId="urn:microsoft.com/office/officeart/2005/8/layout/hierarchy2"/>
     <dgm:cxn modelId="{93D2C3A3-E5BB-D84C-8F63-32A29A22D930}" type="presParOf" srcId="{BAACA384-8C12-C244-AD58-E7A875A54B6D}" destId="{D3137105-4D35-ED47-B9A0-6AD6CFFAF2CA}" srcOrd="0" destOrd="0" presId="urn:microsoft.com/office/officeart/2005/8/layout/hierarchy2"/>
     <dgm:cxn modelId="{2FA80F5B-8EAE-3E44-9057-9942EA15E675}" type="presParOf" srcId="{D3137105-4D35-ED47-B9A0-6AD6CFFAF2CA}" destId="{E6940BBF-D678-4048-9BA4-3198AB58F416}" srcOrd="0" destOrd="0" presId="urn:microsoft.com/office/officeart/2005/8/layout/hierarchy2"/>
     <dgm:cxn modelId="{68E6FEDC-71A1-DC45-B71D-361E0B8C54A0}" type="presParOf" srcId="{D3137105-4D35-ED47-B9A0-6AD6CFFAF2CA}" destId="{4D3E5F41-2E0B-AE45-99EC-83BFEFDBB198}" srcOrd="1" destOrd="0" presId="urn:microsoft.com/office/officeart/2005/8/layout/hierarchy2"/>
@@ -7660,7 +7826,7 @@
             <p:ph idx="1"/>
             <p:extLst>
               <p:ext uri="{D42A27DB-BD31-4B8C-83A1-F6EECF244321}">
-                <p14:modId xmlns:p14="http://schemas.microsoft.com/office/powerpoint/2010/main" val="873015782"/>
+                <p14:modId xmlns:p14="http://schemas.microsoft.com/office/powerpoint/2010/main" val="6010110"/>
               </p:ext>
             </p:extLst>
           </p:nvPr>
@@ -7735,10 +7901,6 @@
                       <a:r>
                         <a:rPr lang="zh-CN" altLang="en-US" dirty="0" smtClean="0"/>
                         <a:t> </a:t>
-                      </a:r>
-                      <a:r>
-                        <a:rPr lang="mr-IN" altLang="zh-CN" dirty="0" smtClean="0"/>
-                        <a:t>–</a:t>
                       </a:r>
                       <a:r>
                         <a:rPr lang="en-US" altLang="zh-CN" dirty="0" smtClean="0"/>
@@ -7821,15 +7983,11 @@
                         <a:t>Pip3</a:t>
                       </a:r>
                       <a:r>
-                        <a:rPr lang="zh-CN" altLang="en-US" dirty="0" smtClean="0"/>
+                        <a:rPr lang="zh-CN" altLang="en-US" smtClean="0"/>
                         <a:t> </a:t>
                       </a:r>
                       <a:r>
-                        <a:rPr lang="mr-IN" altLang="zh-CN" dirty="0" smtClean="0"/>
-                        <a:t>–</a:t>
-                      </a:r>
-                      <a:r>
-                        <a:rPr lang="en-US" altLang="zh-CN" dirty="0" smtClean="0"/>
+                        <a:rPr lang="en-US" altLang="zh-CN" smtClean="0"/>
                         <a:t>install</a:t>
                       </a:r>
                       <a:r>
@@ -7915,7 +8073,7 @@
                         <a:t>Pip3</a:t>
                       </a:r>
                       <a:r>
-                        <a:rPr lang="zh-CN" altLang="en-US" dirty="0" smtClean="0">
+                        <a:rPr lang="zh-CN" altLang="en-US" smtClean="0">
                           <a:ln>
                             <a:solidFill>
                               <a:schemeClr val="tx1"/>
@@ -7925,17 +8083,7 @@
                         <a:t> </a:t>
                       </a:r>
                       <a:r>
-                        <a:rPr lang="mr-IN" altLang="zh-CN" dirty="0" smtClean="0">
-                          <a:ln>
-                            <a:solidFill>
-                              <a:schemeClr val="tx1"/>
-                            </a:solidFill>
-                          </a:ln>
-                        </a:rPr>
-                        <a:t>–</a:t>
-                      </a:r>
-                      <a:r>
-                        <a:rPr lang="en-US" altLang="zh-CN" dirty="0" smtClean="0">
+                        <a:rPr lang="en-US" altLang="zh-CN" smtClean="0">
                           <a:ln>
                             <a:solidFill>
                               <a:schemeClr val="tx1"/>
